--- a/CodeRageX-MongoDB-2.pptx
+++ b/CodeRageX-MongoDB-2.pptx
@@ -5,7 +5,7 @@
     <p:sldMasterId id="2147483648" r:id="rId4"/>
   </p:sldMasterIdLst>
   <p:notesMasterIdLst>
-    <p:notesMasterId r:id="rId14"/>
+    <p:notesMasterId r:id="rId13"/>
   </p:notesMasterIdLst>
   <p:sldIdLst>
     <p:sldId id="262" r:id="rId5"/>
@@ -16,7 +16,6 @@
     <p:sldId id="266" r:id="rId10"/>
     <p:sldId id="267" r:id="rId11"/>
     <p:sldId id="268" r:id="rId12"/>
-    <p:sldId id="269" r:id="rId13"/>
   </p:sldIdLst>
   <p:sldSz cx="9144000" cy="5143500" type="screen16x9"/>
   <p:notesSz cx="6858000" cy="9144000"/>
@@ -217,7 +216,7 @@
             <a:fld id="{6FFC9D4C-EFD5-4E16-9FD5-B6297126F1AC}" type="datetimeFigureOut">
               <a:rPr lang="en-US" smtClean="0"/>
               <a:pPr/>
-              <a:t>10/9/15</a:t>
+              <a:t>12/15/2025</a:t>
             </a:fld>
             <a:endParaRPr lang="en-US"/>
           </a:p>
@@ -283,38 +282,37 @@
           <a:p>
             <a:pPr lvl="0"/>
             <a:r>
-              <a:rPr lang="en-US" smtClean="0"/>
+              <a:rPr lang="en-US"/>
               <a:t>Click to edit Master text styles</a:t>
             </a:r>
           </a:p>
           <a:p>
             <a:pPr lvl="1"/>
             <a:r>
-              <a:rPr lang="en-US" smtClean="0"/>
+              <a:rPr lang="en-US"/>
               <a:t>Second level</a:t>
             </a:r>
           </a:p>
           <a:p>
             <a:pPr lvl="2"/>
             <a:r>
-              <a:rPr lang="en-US" smtClean="0"/>
+              <a:rPr lang="en-US"/>
               <a:t>Third level</a:t>
             </a:r>
           </a:p>
           <a:p>
             <a:pPr lvl="3"/>
             <a:r>
-              <a:rPr lang="en-US" smtClean="0"/>
+              <a:rPr lang="en-US"/>
               <a:t>Fourth level</a:t>
             </a:r>
           </a:p>
           <a:p>
             <a:pPr lvl="4"/>
             <a:r>
-              <a:rPr lang="en-US" smtClean="0"/>
+              <a:rPr lang="en-US"/>
               <a:t>Fifth level</a:t>
             </a:r>
-            <a:endParaRPr lang="en-US"/>
           </a:p>
         </p:txBody>
       </p:sp>
@@ -1168,91 +1166,6 @@
 </p:notes>
 </file>
 
-<file path=ppt/notesSlides/notesSlide9.xml><?xml version="1.0" encoding="utf-8"?>
-<p:notes xmlns:a="http://schemas.openxmlformats.org/drawingml/2006/main" xmlns:r="http://schemas.openxmlformats.org/officeDocument/2006/relationships" xmlns:p="http://schemas.openxmlformats.org/presentationml/2006/main">
-  <p:cSld>
-    <p:spTree>
-      <p:nvGrpSpPr>
-        <p:cNvPr id="1" name=""/>
-        <p:cNvGrpSpPr/>
-        <p:nvPr/>
-      </p:nvGrpSpPr>
-      <p:grpSpPr>
-        <a:xfrm>
-          <a:off x="0" y="0"/>
-          <a:ext cx="0" cy="0"/>
-          <a:chOff x="0" y="0"/>
-          <a:chExt cx="0" cy="0"/>
-        </a:xfrm>
-      </p:grpSpPr>
-      <p:sp>
-        <p:nvSpPr>
-          <p:cNvPr id="2" name="Slide Image Placeholder 1"/>
-          <p:cNvSpPr>
-            <a:spLocks noGrp="1" noRot="1" noChangeAspect="1"/>
-          </p:cNvSpPr>
-          <p:nvPr>
-            <p:ph type="sldImg"/>
-          </p:nvPr>
-        </p:nvSpPr>
-        <p:spPr/>
-      </p:sp>
-      <p:sp>
-        <p:nvSpPr>
-          <p:cNvPr id="3" name="Notes Placeholder 2"/>
-          <p:cNvSpPr>
-            <a:spLocks noGrp="1"/>
-          </p:cNvSpPr>
-          <p:nvPr>
-            <p:ph type="body" idx="1"/>
-          </p:nvPr>
-        </p:nvSpPr>
-        <p:spPr/>
-        <p:txBody>
-          <a:bodyPr/>
-          <a:lstStyle/>
-          <a:p>
-            <a:endParaRPr lang="en-US"/>
-          </a:p>
-        </p:txBody>
-      </p:sp>
-      <p:sp>
-        <p:nvSpPr>
-          <p:cNvPr id="4" name="Slide Number Placeholder 3"/>
-          <p:cNvSpPr>
-            <a:spLocks noGrp="1"/>
-          </p:cNvSpPr>
-          <p:nvPr>
-            <p:ph type="sldNum" sz="quarter" idx="10"/>
-          </p:nvPr>
-        </p:nvSpPr>
-        <p:spPr/>
-        <p:txBody>
-          <a:bodyPr/>
-          <a:lstStyle/>
-          <a:p>
-            <a:fld id="{E61E7B05-F66F-41CE-9A86-B93D755B0A6C}" type="slidenum">
-              <a:rPr lang="en-US" smtClean="0"/>
-              <a:pPr/>
-              <a:t>9</a:t>
-            </a:fld>
-            <a:endParaRPr lang="en-US"/>
-          </a:p>
-        </p:txBody>
-      </p:sp>
-    </p:spTree>
-    <p:extLst>
-      <p:ext uri="{BB962C8B-B14F-4D97-AF65-F5344CB8AC3E}">
-        <p14:creationId xmlns:p14="http://schemas.microsoft.com/office/powerpoint/2010/main" val="932227852"/>
-      </p:ext>
-    </p:extLst>
-  </p:cSld>
-  <p:clrMapOvr>
-    <a:masterClrMapping/>
-  </p:clrMapOvr>
-</p:notes>
-</file>
-
 <file path=ppt/slideLayouts/slideLayout1.xml><?xml version="1.0" encoding="utf-8"?>
 <p:sldLayout xmlns:a="http://schemas.openxmlformats.org/drawingml/2006/main" xmlns:r="http://schemas.openxmlformats.org/officeDocument/2006/relationships" xmlns:p="http://schemas.openxmlformats.org/presentationml/2006/main" type="title" preserve="1">
   <p:cSld name="Title Slide">
@@ -1508,10 +1421,9 @@
           </a:lstStyle>
           <a:p>
             <a:r>
-              <a:rPr lang="en-US" dirty="0" smtClean="0"/>
+              <a:rPr lang="en-US" dirty="0"/>
               <a:t>Click to edit Master title style</a:t>
             </a:r>
-            <a:endParaRPr lang="en-US" dirty="0"/>
           </a:p>
         </p:txBody>
       </p:sp>
@@ -1543,38 +1455,37 @@
           <a:p>
             <a:pPr lvl="0"/>
             <a:r>
-              <a:rPr lang="en-US" dirty="0" smtClean="0"/>
+              <a:rPr lang="en-US" dirty="0"/>
               <a:t>Click to edit Master text styles</a:t>
             </a:r>
           </a:p>
           <a:p>
             <a:pPr lvl="1"/>
             <a:r>
-              <a:rPr lang="en-US" dirty="0" smtClean="0"/>
+              <a:rPr lang="en-US" dirty="0"/>
               <a:t>Second level</a:t>
             </a:r>
           </a:p>
           <a:p>
             <a:pPr lvl="2"/>
             <a:r>
-              <a:rPr lang="en-US" dirty="0" smtClean="0"/>
+              <a:rPr lang="en-US" dirty="0"/>
               <a:t>Third level</a:t>
             </a:r>
           </a:p>
           <a:p>
             <a:pPr lvl="3"/>
             <a:r>
-              <a:rPr lang="en-US" dirty="0" smtClean="0"/>
+              <a:rPr lang="en-US" dirty="0"/>
               <a:t>Fourth level</a:t>
             </a:r>
           </a:p>
           <a:p>
             <a:pPr lvl="4"/>
             <a:r>
-              <a:rPr lang="en-US" dirty="0" smtClean="0"/>
+              <a:rPr lang="en-US" dirty="0"/>
               <a:t>Fifth level</a:t>
             </a:r>
-            <a:endParaRPr lang="en-US" dirty="0"/>
           </a:p>
         </p:txBody>
       </p:sp>
@@ -1675,10 +1586,9 @@
           </a:lstStyle>
           <a:p>
             <a:r>
-              <a:rPr lang="en-US" smtClean="0"/>
+              <a:rPr lang="en-US"/>
               <a:t>Click to edit Master title style</a:t>
             </a:r>
-            <a:endParaRPr lang="en-US"/>
           </a:p>
         </p:txBody>
       </p:sp>
@@ -1737,38 +1647,37 @@
           <a:p>
             <a:pPr lvl="0"/>
             <a:r>
-              <a:rPr lang="en-US" dirty="0" smtClean="0"/>
+              <a:rPr lang="en-US" dirty="0"/>
               <a:t>Click to edit Master text styles</a:t>
             </a:r>
           </a:p>
           <a:p>
             <a:pPr lvl="1"/>
             <a:r>
-              <a:rPr lang="en-US" dirty="0" smtClean="0"/>
+              <a:rPr lang="en-US" dirty="0"/>
               <a:t>Second level</a:t>
             </a:r>
           </a:p>
           <a:p>
             <a:pPr lvl="2"/>
             <a:r>
-              <a:rPr lang="en-US" dirty="0" smtClean="0"/>
+              <a:rPr lang="en-US" dirty="0"/>
               <a:t>Third level</a:t>
             </a:r>
           </a:p>
           <a:p>
             <a:pPr lvl="3"/>
             <a:r>
-              <a:rPr lang="en-US" dirty="0" smtClean="0"/>
+              <a:rPr lang="en-US" dirty="0"/>
               <a:t>Fourth level</a:t>
             </a:r>
           </a:p>
           <a:p>
             <a:pPr lvl="4"/>
             <a:r>
-              <a:rPr lang="en-US" dirty="0" smtClean="0"/>
+              <a:rPr lang="en-US" dirty="0"/>
               <a:t>Fifth level</a:t>
             </a:r>
-            <a:endParaRPr lang="en-US" dirty="0"/>
           </a:p>
         </p:txBody>
       </p:sp>
@@ -1901,38 +1810,37 @@
           <a:p>
             <a:pPr lvl="0"/>
             <a:r>
-              <a:rPr lang="en-US" dirty="0" smtClean="0"/>
+              <a:rPr lang="en-US" dirty="0"/>
               <a:t>Click to edit Master text styles</a:t>
             </a:r>
           </a:p>
           <a:p>
             <a:pPr lvl="1"/>
             <a:r>
-              <a:rPr lang="en-US" dirty="0" smtClean="0"/>
+              <a:rPr lang="en-US" dirty="0"/>
               <a:t>Second level</a:t>
             </a:r>
           </a:p>
           <a:p>
             <a:pPr lvl="2"/>
             <a:r>
-              <a:rPr lang="en-US" dirty="0" smtClean="0"/>
+              <a:rPr lang="en-US" dirty="0"/>
               <a:t>Third level</a:t>
             </a:r>
           </a:p>
           <a:p>
             <a:pPr lvl="3"/>
             <a:r>
-              <a:rPr lang="en-US" dirty="0" smtClean="0"/>
+              <a:rPr lang="en-US" dirty="0"/>
               <a:t>Fourth level</a:t>
             </a:r>
           </a:p>
           <a:p>
             <a:pPr lvl="4"/>
             <a:r>
-              <a:rPr lang="en-US" dirty="0" smtClean="0"/>
+              <a:rPr lang="en-US" dirty="0"/>
               <a:t>Fifth level</a:t>
             </a:r>
-            <a:endParaRPr lang="en-US" dirty="0"/>
           </a:p>
         </p:txBody>
       </p:sp>
@@ -2003,10 +1911,9 @@
           </a:lstStyle>
           <a:p>
             <a:r>
-              <a:rPr lang="en-US" smtClean="0"/>
+              <a:rPr lang="en-US"/>
               <a:t>Click to edit Master title style</a:t>
             </a:r>
-            <a:endParaRPr lang="en-US"/>
           </a:p>
         </p:txBody>
       </p:sp>
@@ -2077,38 +1984,37 @@
           <a:p>
             <a:pPr lvl="0"/>
             <a:r>
-              <a:rPr lang="en-US" dirty="0" smtClean="0"/>
+              <a:rPr lang="en-US" dirty="0"/>
               <a:t>Click to edit Master text styles</a:t>
             </a:r>
           </a:p>
           <a:p>
             <a:pPr lvl="1"/>
             <a:r>
-              <a:rPr lang="en-US" dirty="0" smtClean="0"/>
+              <a:rPr lang="en-US" dirty="0"/>
               <a:t>Second level</a:t>
             </a:r>
           </a:p>
           <a:p>
             <a:pPr lvl="2"/>
             <a:r>
-              <a:rPr lang="en-US" dirty="0" smtClean="0"/>
+              <a:rPr lang="en-US" dirty="0"/>
               <a:t>Third level</a:t>
             </a:r>
           </a:p>
           <a:p>
             <a:pPr lvl="3"/>
             <a:r>
-              <a:rPr lang="en-US" dirty="0" smtClean="0"/>
+              <a:rPr lang="en-US" dirty="0"/>
               <a:t>Fourth level</a:t>
             </a:r>
           </a:p>
           <a:p>
             <a:pPr lvl="4"/>
             <a:r>
-              <a:rPr lang="en-US" dirty="0" smtClean="0"/>
+              <a:rPr lang="en-US" dirty="0"/>
               <a:t>Fifth level</a:t>
             </a:r>
-            <a:endParaRPr lang="en-US" dirty="0"/>
           </a:p>
         </p:txBody>
       </p:sp>
@@ -2204,38 +2110,37 @@
           <a:p>
             <a:pPr lvl="0"/>
             <a:r>
-              <a:rPr lang="en-US" smtClean="0"/>
+              <a:rPr lang="en-US"/>
               <a:t>Click to edit Master text styles</a:t>
             </a:r>
           </a:p>
           <a:p>
             <a:pPr lvl="1"/>
             <a:r>
-              <a:rPr lang="en-US" smtClean="0"/>
+              <a:rPr lang="en-US"/>
               <a:t>Second level</a:t>
             </a:r>
           </a:p>
           <a:p>
             <a:pPr lvl="2"/>
             <a:r>
-              <a:rPr lang="en-US" smtClean="0"/>
+              <a:rPr lang="en-US"/>
               <a:t>Third level</a:t>
             </a:r>
           </a:p>
           <a:p>
             <a:pPr lvl="3"/>
             <a:r>
-              <a:rPr lang="en-US" smtClean="0"/>
+              <a:rPr lang="en-US"/>
               <a:t>Fourth level</a:t>
             </a:r>
           </a:p>
           <a:p>
             <a:pPr lvl="4"/>
             <a:r>
-              <a:rPr lang="en-US" smtClean="0"/>
+              <a:rPr lang="en-US"/>
               <a:t>Fifth level</a:t>
             </a:r>
-            <a:endParaRPr lang="en-US"/>
           </a:p>
         </p:txBody>
       </p:sp>
@@ -2303,7 +2208,7 @@
           <a:p>
             <a:pPr lvl="0"/>
             <a:r>
-              <a:rPr lang="en-US" smtClean="0"/>
+              <a:rPr lang="en-US"/>
               <a:t>Click to edit Master text styles</a:t>
             </a:r>
           </a:p>
@@ -2376,10 +2281,9 @@
           </a:lstStyle>
           <a:p>
             <a:r>
-              <a:rPr lang="en-US" smtClean="0"/>
+              <a:rPr lang="en-US"/>
               <a:t>Click to edit Master title style</a:t>
             </a:r>
-            <a:endParaRPr lang="en-US"/>
           </a:p>
         </p:txBody>
       </p:sp>
@@ -2466,10 +2370,9 @@
           </a:lstStyle>
           <a:p>
             <a:r>
-              <a:rPr lang="en-US" dirty="0" smtClean="0"/>
+              <a:rPr lang="en-US" dirty="0"/>
               <a:t>Click icon to add picture</a:t>
             </a:r>
-            <a:endParaRPr lang="en-US" dirty="0"/>
           </a:p>
         </p:txBody>
       </p:sp>
@@ -2540,10 +2443,9 @@
           </a:lstStyle>
           <a:p>
             <a:r>
-              <a:rPr lang="en-US" smtClean="0"/>
+              <a:rPr lang="en-US"/>
               <a:t>Click to edit Master title style</a:t>
             </a:r>
-            <a:endParaRPr lang="en-US"/>
           </a:p>
         </p:txBody>
       </p:sp>
@@ -2611,7 +2513,7 @@
           <a:p>
             <a:pPr lvl="0"/>
             <a:r>
-              <a:rPr lang="en-US" smtClean="0"/>
+              <a:rPr lang="en-US"/>
               <a:t>Click to edit Master text styles</a:t>
             </a:r>
           </a:p>
@@ -2749,10 +2651,9 @@
           <a:lstStyle/>
           <a:p>
             <a:r>
-              <a:rPr lang="en-US" dirty="0" smtClean="0"/>
+              <a:rPr lang="en-US" dirty="0"/>
               <a:t>Click to edit Master title style</a:t>
             </a:r>
-            <a:endParaRPr lang="en-US" dirty="0"/>
           </a:p>
         </p:txBody>
       </p:sp>
@@ -2783,38 +2684,37 @@
           <a:p>
             <a:pPr lvl="0"/>
             <a:r>
-              <a:rPr lang="en-US" dirty="0" smtClean="0"/>
+              <a:rPr lang="en-US" dirty="0"/>
               <a:t>Click to edit Master text styles</a:t>
             </a:r>
           </a:p>
           <a:p>
             <a:pPr lvl="1"/>
             <a:r>
-              <a:rPr lang="en-US" dirty="0" smtClean="0"/>
+              <a:rPr lang="en-US" dirty="0"/>
               <a:t>Second level</a:t>
             </a:r>
           </a:p>
           <a:p>
             <a:pPr lvl="2"/>
             <a:r>
-              <a:rPr lang="en-US" dirty="0" smtClean="0"/>
+              <a:rPr lang="en-US" dirty="0"/>
               <a:t>Third level</a:t>
             </a:r>
           </a:p>
           <a:p>
             <a:pPr lvl="3"/>
             <a:r>
-              <a:rPr lang="en-US" dirty="0" smtClean="0"/>
+              <a:rPr lang="en-US" dirty="0"/>
               <a:t>Fourth level</a:t>
             </a:r>
           </a:p>
           <a:p>
             <a:pPr lvl="4"/>
             <a:r>
-              <a:rPr lang="en-US" dirty="0" smtClean="0"/>
+              <a:rPr lang="en-US" dirty="0"/>
               <a:t>Fifth level</a:t>
             </a:r>
-            <a:endParaRPr lang="en-US" dirty="0"/>
           </a:p>
         </p:txBody>
       </p:sp>
@@ -3180,19 +3080,19 @@
           <a:lstStyle/>
           <a:p>
             <a:r>
-              <a:rPr lang="en-US" dirty="0" smtClean="0"/>
+              <a:rPr lang="en-US" dirty="0"/>
               <a:t>Advanced </a:t>
             </a:r>
             <a:r>
-              <a:rPr lang="en-US" dirty="0" err="1" smtClean="0"/>
+              <a:rPr lang="en-US" dirty="0" err="1"/>
               <a:t>MongoDB</a:t>
             </a:r>
             <a:r>
-              <a:rPr lang="en-US" dirty="0" smtClean="0"/>
+              <a:rPr lang="en-US" dirty="0"/>
               <a:t> &amp; </a:t>
             </a:r>
             <a:r>
-              <a:rPr lang="en-US" dirty="0" err="1" smtClean="0"/>
+              <a:rPr lang="en-US" dirty="0" err="1"/>
               <a:t>FireDAC</a:t>
             </a:r>
             <a:endParaRPr lang="en-US" dirty="0"/>
@@ -3215,43 +3115,17 @@
           <a:lstStyle/>
           <a:p>
             <a:r>
-              <a:rPr lang="en-US" dirty="0" smtClean="0"/>
+              <a:rPr lang="en-US" dirty="0"/>
               <a:t>Jim McKeeth &amp; </a:t>
             </a:r>
             <a:r>
               <a:rPr lang="de-DE" dirty="0"/>
-              <a:t>Dmitry </a:t>
-            </a:r>
-            <a:r>
-              <a:rPr lang="de-DE" dirty="0" err="1"/>
-              <a:t>Arefiev</a:t>
-            </a:r>
-            <a:r>
-              <a:rPr lang="de-DE" dirty="0"/>
+              <a:t>Dmitry Arefiev </a:t>
+            </a:r>
+            <a:r>
+              <a:rPr lang="en-US" dirty="0"/>
               <a:t> </a:t>
             </a:r>
-            <a:endParaRPr lang="de-DE" dirty="0" smtClean="0"/>
-          </a:p>
-          <a:p>
-            <a:r>
-              <a:rPr lang="de-DE" dirty="0" err="1" smtClean="0"/>
-              <a:t>Embarcadero</a:t>
-            </a:r>
-            <a:r>
-              <a:rPr lang="de-DE" dirty="0" smtClean="0"/>
-              <a:t> </a:t>
-            </a:r>
-            <a:r>
-              <a:rPr lang="de-DE" dirty="0"/>
-              <a:t>Technologies</a:t>
-            </a:r>
-          </a:p>
-          <a:p>
-            <a:r>
-              <a:rPr lang="en-US" dirty="0" smtClean="0"/>
-              <a:t> </a:t>
-            </a:r>
-            <a:endParaRPr lang="en-US" dirty="0"/>
           </a:p>
         </p:txBody>
       </p:sp>
@@ -3265,13 +3139,6 @@
   <p:clrMapOvr>
     <a:masterClrMapping/>
   </p:clrMapOvr>
-  <p:timing>
-    <p:tnLst>
-      <p:par>
-        <p:cTn id="1" dur="indefinite" restart="never" nodeType="tmRoot"/>
-      </p:par>
-    </p:tnLst>
-  </p:timing>
 </p:sld>
 </file>
 
@@ -3319,10 +3186,9 @@
               <a:buChar char="•"/>
             </a:pPr>
             <a:r>
-              <a:rPr lang="en-US" dirty="0" smtClean="0"/>
+              <a:rPr lang="en-US" dirty="0"/>
               <a:t>Indexing</a:t>
             </a:r>
-            <a:endParaRPr lang="en-US" dirty="0" smtClean="0"/>
           </a:p>
           <a:p>
             <a:pPr marL="285750" indent="-285750">
@@ -3330,14 +3196,9 @@
               <a:buChar char="•"/>
             </a:pPr>
             <a:r>
-              <a:rPr lang="en-US" dirty="0" smtClean="0"/>
-              <a:t>Query </a:t>
-            </a:r>
-            <a:r>
-              <a:rPr lang="en-US" dirty="0" smtClean="0"/>
-              <a:t>Options</a:t>
-            </a:r>
-            <a:endParaRPr lang="en-US" dirty="0" smtClean="0"/>
+              <a:rPr lang="en-US" dirty="0"/>
+              <a:t>Query Options</a:t>
+            </a:r>
           </a:p>
           <a:p>
             <a:pPr marL="285750" indent="-285750">
@@ -3345,7 +3206,7 @@
               <a:buChar char="•"/>
             </a:pPr>
             <a:r>
-              <a:rPr lang="en-US" dirty="0" smtClean="0"/>
+              <a:rPr lang="en-US" dirty="0"/>
               <a:t>Geospatial Queries</a:t>
             </a:r>
           </a:p>
@@ -3356,11 +3217,7 @@
             </a:pPr>
             <a:r>
               <a:rPr lang="en-US" dirty="0"/>
-              <a:t>Aggregation </a:t>
-            </a:r>
-            <a:r>
-              <a:rPr lang="en-US" dirty="0" smtClean="0"/>
-              <a:t>&amp; Pipelines</a:t>
+              <a:t>Aggregation &amp; Pipelines</a:t>
             </a:r>
           </a:p>
           <a:p>
@@ -3369,7 +3226,7 @@
               <a:buChar char="•"/>
             </a:pPr>
             <a:r>
-              <a:rPr lang="en-US" dirty="0" smtClean="0"/>
+              <a:rPr lang="en-US" dirty="0"/>
               <a:t>Redact</a:t>
             </a:r>
           </a:p>
@@ -3379,7 +3236,7 @@
               <a:buChar char="•"/>
             </a:pPr>
             <a:r>
-              <a:rPr lang="en-US" dirty="0" smtClean="0"/>
+              <a:rPr lang="en-US" dirty="0"/>
               <a:t>Projection</a:t>
             </a:r>
           </a:p>
@@ -3389,10 +3246,9 @@
               <a:buChar char="•"/>
             </a:pPr>
             <a:r>
-              <a:rPr lang="en-US" dirty="0" smtClean="0"/>
+              <a:rPr lang="en-US" dirty="0"/>
               <a:t>Grouping</a:t>
             </a:r>
-            <a:endParaRPr lang="en-US" dirty="0"/>
           </a:p>
           <a:p>
             <a:pPr marL="285750" indent="-285750">
@@ -3400,7 +3256,7 @@
               <a:buChar char="•"/>
             </a:pPr>
             <a:r>
-              <a:rPr lang="en-US" dirty="0" smtClean="0"/>
+              <a:rPr lang="en-US" dirty="0"/>
               <a:t>Update Operations</a:t>
             </a:r>
           </a:p>
@@ -3410,7 +3266,7 @@
               <a:buChar char="•"/>
             </a:pPr>
             <a:r>
-              <a:rPr lang="en-US" dirty="0" smtClean="0"/>
+              <a:rPr lang="en-US" dirty="0"/>
               <a:t>Database Meta Information</a:t>
             </a:r>
           </a:p>
@@ -3420,7 +3276,7 @@
               <a:buChar char="•"/>
             </a:pPr>
             <a:r>
-              <a:rPr lang="en-US" dirty="0" smtClean="0"/>
+              <a:rPr lang="en-US" dirty="0"/>
               <a:t>Local SQL</a:t>
             </a:r>
           </a:p>
@@ -3473,18 +3329,17 @@
           <a:lstStyle/>
           <a:p>
             <a:r>
-              <a:rPr lang="en-US" dirty="0" smtClean="0"/>
+              <a:rPr lang="en-US" dirty="0"/>
               <a:t>Agenda </a:t>
             </a:r>
             <a:r>
-              <a:rPr lang="en-US" sz="1600" dirty="0" smtClean="0"/>
+              <a:rPr lang="en-US" sz="1600" dirty="0"/>
               <a:t>– </a:t>
             </a:r>
             <a:r>
-              <a:rPr lang="en-US" sz="1600" i="1" dirty="0" smtClean="0"/>
+              <a:rPr lang="en-US" sz="1600" i="1" dirty="0"/>
               <a:t>The Fun Stuff</a:t>
             </a:r>
-            <a:endParaRPr lang="en-US" sz="1600" i="1" dirty="0"/>
           </a:p>
         </p:txBody>
       </p:sp>
@@ -3514,7 +3369,7 @@
               <a:buNone/>
             </a:pPr>
             <a:r>
-              <a:rPr lang="en-US" dirty="0" smtClean="0">
+              <a:rPr lang="en-US" dirty="0">
                 <a:latin typeface="Consolas" charset="0"/>
                 <a:ea typeface="Consolas" charset="0"/>
                 <a:cs typeface="Consolas" charset="0"/>
@@ -3527,7 +3382,7 @@
               <a:buNone/>
             </a:pPr>
             <a:r>
-              <a:rPr lang="en-US" dirty="0" smtClean="0">
+              <a:rPr lang="en-US" dirty="0">
                 <a:latin typeface="Consolas" charset="0"/>
                 <a:ea typeface="Consolas" charset="0"/>
                 <a:cs typeface="Consolas" charset="0"/>
@@ -3540,7 +3395,7 @@
               <a:buNone/>
             </a:pPr>
             <a:r>
-              <a:rPr lang="en-US" dirty="0" smtClean="0">
+              <a:rPr lang="en-US" dirty="0">
                 <a:latin typeface="Consolas" charset="0"/>
                 <a:ea typeface="Consolas" charset="0"/>
                 <a:cs typeface="Consolas" charset="0"/>
@@ -3553,7 +3408,7 @@
               <a:buNone/>
             </a:pPr>
             <a:r>
-              <a:rPr lang="en-US" dirty="0" smtClean="0">
+              <a:rPr lang="en-US" dirty="0">
                 <a:latin typeface="Consolas" charset="0"/>
                 <a:ea typeface="Consolas" charset="0"/>
                 <a:cs typeface="Consolas" charset="0"/>
@@ -3575,7 +3430,7 @@
             <a:pPr marL="0" indent="0" algn="r">
               <a:buNone/>
             </a:pPr>
-            <a:endParaRPr lang="en-US" dirty="0" smtClean="0">
+            <a:endParaRPr lang="en-US" dirty="0">
               <a:latin typeface="Consolas" charset="0"/>
               <a:ea typeface="Consolas" charset="0"/>
               <a:cs typeface="Consolas" charset="0"/>
@@ -3586,7 +3441,7 @@
               <a:buNone/>
             </a:pPr>
             <a:r>
-              <a:rPr lang="is-IS" dirty="0" smtClean="0">
+              <a:rPr lang="is-IS" dirty="0">
                 <a:latin typeface="Consolas" charset="0"/>
                 <a:ea typeface="Consolas" charset="0"/>
                 <a:cs typeface="Consolas" charset="0"/>
@@ -3599,7 +3454,7 @@
               <a:buNone/>
             </a:pPr>
             <a:r>
-              <a:rPr lang="en-US" dirty="0" smtClean="0">
+              <a:rPr lang="en-US" dirty="0">
                 <a:latin typeface="Consolas" charset="0"/>
                 <a:ea typeface="Consolas" charset="0"/>
                 <a:cs typeface="Consolas" charset="0"/>
@@ -3612,7 +3467,7 @@
               <a:buNone/>
             </a:pPr>
             <a:r>
-              <a:rPr lang="en-US" dirty="0" smtClean="0">
+              <a:rPr lang="en-US" dirty="0">
                 <a:latin typeface="Consolas" charset="0"/>
                 <a:ea typeface="Consolas" charset="0"/>
                 <a:cs typeface="Consolas" charset="0"/>
@@ -3625,18 +3480,13 @@
               <a:buNone/>
             </a:pPr>
             <a:r>
-              <a:rPr lang="en-US" dirty="0" smtClean="0">
+              <a:rPr lang="en-US" dirty="0">
                 <a:latin typeface="Consolas" charset="0"/>
                 <a:ea typeface="Consolas" charset="0"/>
                 <a:cs typeface="Consolas" charset="0"/>
               </a:rPr>
               <a:t>33:19</a:t>
             </a:r>
-            <a:endParaRPr lang="en-US" dirty="0">
-              <a:latin typeface="Consolas" charset="0"/>
-              <a:ea typeface="Consolas" charset="0"/>
-              <a:cs typeface="Consolas" charset="0"/>
-            </a:endParaRPr>
           </a:p>
         </p:txBody>
       </p:sp>
@@ -3648,8 +3498,8 @@
         </p:nvSpPr>
         <p:spPr>
           <a:xfrm>
-            <a:off x="6404641" y="1188720"/>
-            <a:ext cx="2100511" cy="1877437"/>
+            <a:off x="6404865" y="1188720"/>
+            <a:ext cx="2100062" cy="1600438"/>
           </a:xfrm>
           <a:prstGeom prst="rect">
             <a:avLst/>
@@ -3664,21 +3514,34 @@
           <a:p>
             <a:pPr algn="ctr"/>
             <a:r>
-              <a:rPr lang="en-US" sz="2000" dirty="0" smtClean="0"/>
+              <a:rPr lang="en-US" sz="2000" dirty="0"/>
               <a:t>Code Samples are </a:t>
             </a:r>
           </a:p>
           <a:p>
             <a:pPr algn="ctr"/>
             <a:r>
-              <a:rPr lang="en-US" sz="2000" dirty="0" smtClean="0"/>
+              <a:rPr lang="en-US" sz="2000" dirty="0"/>
               <a:t>all Object Pascal</a:t>
             </a:r>
+            <a:endParaRPr lang="en-US" dirty="0"/>
           </a:p>
           <a:p>
             <a:pPr algn="ctr"/>
-            <a:r>
-              <a:rPr lang="en-US" dirty="0" smtClean="0">
+            <a:endParaRPr lang="en-US" sz="2000" dirty="0"/>
+          </a:p>
+          <a:p>
+            <a:pPr algn="ctr"/>
+            <a:r>
+              <a:rPr lang="en-US" sz="2000" dirty="0"/>
+              <a:t>Slides &amp; More</a:t>
+            </a:r>
+            <a:endParaRPr lang="en-US" dirty="0"/>
+          </a:p>
+          <a:p>
+            <a:pPr algn="ctr"/>
+            <a:r>
+              <a:rPr lang="en-US" dirty="0" err="1">
                 <a:hlinkClick r:id="rId3"/>
               </a:rPr>
               <a:t>delphi.org</a:t>
@@ -3687,48 +3550,11 @@
               <a:rPr lang="en-US" dirty="0">
                 <a:hlinkClick r:id="rId3"/>
               </a:rPr>
-              <a:t>/?</a:t>
-            </a:r>
-            <a:r>
-              <a:rPr lang="en-US" dirty="0" smtClean="0">
+              <a:t>/</a:t>
+            </a:r>
+            <a:r>
+              <a:rPr lang="en-US" dirty="0" err="1">
                 <a:hlinkClick r:id="rId3"/>
-              </a:rPr>
-              <a:t>p=2053</a:t>
-            </a:r>
-            <a:r>
-              <a:rPr lang="en-US" dirty="0" smtClean="0"/>
-              <a:t> </a:t>
-            </a:r>
-          </a:p>
-          <a:p>
-            <a:pPr algn="ctr"/>
-            <a:endParaRPr lang="en-US" sz="2000" dirty="0" smtClean="0"/>
-          </a:p>
-          <a:p>
-            <a:pPr algn="ctr"/>
-            <a:r>
-              <a:rPr lang="en-US" sz="2000" dirty="0" smtClean="0"/>
-              <a:t>Slides</a:t>
-            </a:r>
-            <a:endParaRPr lang="en-US" dirty="0" smtClean="0"/>
-          </a:p>
-          <a:p>
-            <a:pPr algn="ctr"/>
-            <a:r>
-              <a:rPr lang="en-US" dirty="0" err="1" smtClean="0">
-                <a:hlinkClick r:id="rId4"/>
-              </a:rPr>
-              <a:t>delphi.org</a:t>
-            </a:r>
-            <a:r>
-              <a:rPr lang="en-US" dirty="0" smtClean="0">
-                <a:hlinkClick r:id="rId4"/>
-              </a:rPr>
-              <a:t>/</a:t>
-            </a:r>
-            <a:r>
-              <a:rPr lang="en-US" dirty="0" err="1" smtClean="0">
-                <a:hlinkClick r:id="rId4"/>
               </a:rPr>
               <a:t>coderage</a:t>
             </a:r>
@@ -3759,7 +3585,7 @@
           <a:lstStyle/>
           <a:p>
             <a:r>
-              <a:rPr lang="en-US" dirty="0" smtClean="0">
+              <a:rPr lang="en-US" dirty="0">
                 <a:latin typeface="Segoe" charset="0"/>
                 <a:ea typeface="Segoe" charset="0"/>
                 <a:cs typeface="Segoe" charset="0"/>
@@ -3767,18 +3593,13 @@
               <a:t>Q&amp;A at </a:t>
             </a:r>
             <a:r>
-              <a:rPr lang="en-US" dirty="0" smtClean="0">
+              <a:rPr lang="en-US" dirty="0">
                 <a:latin typeface="Consolas" charset="0"/>
                 <a:ea typeface="Consolas" charset="0"/>
                 <a:cs typeface="Consolas" charset="0"/>
               </a:rPr>
               <a:t>39:03</a:t>
             </a:r>
-            <a:endParaRPr lang="en-US" dirty="0">
-              <a:latin typeface="Consolas" charset="0"/>
-              <a:ea typeface="Consolas" charset="0"/>
-              <a:cs typeface="Consolas" charset="0"/>
-            </a:endParaRPr>
           </a:p>
         </p:txBody>
       </p:sp>
@@ -3792,13 +3613,6 @@
   <p:clrMapOvr>
     <a:masterClrMapping/>
   </p:clrMapOvr>
-  <p:timing>
-    <p:tnLst>
-      <p:par>
-        <p:cTn id="1" dur="indefinite" restart="never" nodeType="tmRoot"/>
-      </p:par>
-    </p:tnLst>
-  </p:timing>
 </p:sld>
 </file>
 
@@ -3835,10 +3649,9 @@
           <a:lstStyle/>
           <a:p>
             <a:r>
-              <a:rPr lang="en-US" dirty="0" smtClean="0"/>
+              <a:rPr lang="en-US" dirty="0"/>
               <a:t>Indexing</a:t>
             </a:r>
-            <a:endParaRPr lang="en-US" dirty="0"/>
           </a:p>
         </p:txBody>
       </p:sp>
@@ -3858,84 +3671,66 @@
           <a:lstStyle/>
           <a:p>
             <a:r>
-              <a:rPr lang="en-US" dirty="0" smtClean="0"/>
+              <a:rPr lang="en-US" dirty="0"/>
               <a:t>_id is indexed by default as _id_</a:t>
             </a:r>
           </a:p>
           <a:p>
             <a:r>
-              <a:rPr lang="en-US" dirty="0" smtClean="0"/>
+              <a:rPr lang="en-US" dirty="0"/>
               <a:t>Other indexes can be added to improve query performance</a:t>
             </a:r>
           </a:p>
           <a:p>
             <a:r>
-              <a:rPr lang="en-US" dirty="0" err="1" smtClean="0"/>
+              <a:rPr lang="en-US" dirty="0" err="1"/>
               <a:t>MongoDB</a:t>
             </a:r>
             <a:r>
-              <a:rPr lang="en-US" dirty="0" smtClean="0"/>
+              <a:rPr lang="en-US" dirty="0"/>
               <a:t> uses a B-Tree internally for indexing</a:t>
             </a:r>
           </a:p>
           <a:p>
             <a:r>
-              <a:rPr lang="en-US" dirty="0" smtClean="0"/>
+              <a:rPr lang="en-US" dirty="0"/>
               <a:t>Use the Query Option to get an </a:t>
             </a:r>
             <a:r>
-              <a:rPr lang="en-US" i="1" dirty="0" smtClean="0"/>
+              <a:rPr lang="en-US" i="1" dirty="0"/>
               <a:t>Explain </a:t>
             </a:r>
             <a:r>
-              <a:rPr lang="en-US" dirty="0" smtClean="0"/>
+              <a:rPr lang="en-US" dirty="0"/>
               <a:t>Plan</a:t>
             </a:r>
           </a:p>
           <a:p>
             <a:r>
-              <a:rPr lang="en-US" dirty="0" smtClean="0"/>
+              <a:rPr lang="en-US" dirty="0"/>
               <a:t>Docs</a:t>
             </a:r>
           </a:p>
           <a:p>
             <a:pPr marL="571500"/>
-            <a:r>
-              <a:rPr lang="en-US" sz="1400" dirty="0" smtClean="0">
-                <a:hlinkClick r:id="rId3"/>
-              </a:rPr>
-              <a:t>http</a:t>
-            </a:r>
             <a:r>
               <a:rPr lang="en-US" sz="1400" dirty="0">
                 <a:hlinkClick r:id="rId3"/>
               </a:rPr>
-              <a:t>://docs.mongodb.org/manual/administration/indexes-creation/</a:t>
+              <a:t>http://docs.mongodb.org/manual/administration/indexes-creation/</a:t>
             </a:r>
             <a:endParaRPr lang="en-US" sz="1400" dirty="0"/>
           </a:p>
           <a:p>
             <a:pPr marL="571500"/>
-            <a:r>
-              <a:rPr lang="en-US" sz="1400" dirty="0" smtClean="0">
-                <a:hlinkClick r:id="rId4"/>
-              </a:rPr>
-              <a:t>http</a:t>
-            </a:r>
             <a:r>
               <a:rPr lang="en-US" sz="1400" dirty="0">
                 <a:hlinkClick r:id="rId4"/>
               </a:rPr>
-              <a:t>://docs.mongodb.org/manual/tutorial/create-an-index</a:t>
-            </a:r>
-            <a:r>
-              <a:rPr lang="en-US" sz="1400" dirty="0" smtClean="0">
-                <a:hlinkClick r:id="rId4"/>
-              </a:rPr>
-              <a:t>/</a:t>
-            </a:r>
-            <a:r>
-              <a:rPr lang="en-US" sz="1400" dirty="0" smtClean="0"/>
+              <a:t>http://docs.mongodb.org/manual/tutorial/create-an-index/</a:t>
+            </a:r>
+            <a:r>
+              <a:rPr lang="en-US" sz="1400" dirty="0"/>
               <a:t> </a:t>
             </a:r>
           </a:p>
@@ -3945,15 +3740,9 @@
               <a:rPr lang="en-US" sz="1400" dirty="0">
                 <a:hlinkClick r:id="rId5"/>
               </a:rPr>
-              <a:t>http://docs.mongodb.org/manual/tutorial/create-a-compound-index</a:t>
-            </a:r>
-            <a:r>
-              <a:rPr lang="en-US" sz="1400" dirty="0" smtClean="0">
-                <a:hlinkClick r:id="rId5"/>
-              </a:rPr>
-              <a:t>/</a:t>
-            </a:r>
-            <a:endParaRPr lang="en-US" sz="1400" dirty="0" smtClean="0"/>
+              <a:t>http://docs.mongodb.org/manual/tutorial/create-a-compound-index/</a:t>
+            </a:r>
+            <a:endParaRPr lang="en-US" sz="1400" dirty="0"/>
           </a:p>
           <a:p>
             <a:pPr marL="571500"/>
@@ -3961,15 +3750,9 @@
               <a:rPr lang="en-US" sz="1400" dirty="0">
                 <a:hlinkClick r:id="rId6"/>
               </a:rPr>
-              <a:t>http://docs.mongodb.org/manual/tutorial/list-indexes</a:t>
-            </a:r>
-            <a:r>
-              <a:rPr lang="en-US" sz="1400" dirty="0" smtClean="0">
-                <a:hlinkClick r:id="rId6"/>
-              </a:rPr>
-              <a:t>/</a:t>
-            </a:r>
-            <a:endParaRPr lang="en-US" sz="1400" dirty="0" smtClean="0"/>
+              <a:t>http://docs.mongodb.org/manual/tutorial/list-indexes/</a:t>
+            </a:r>
+            <a:endParaRPr lang="en-US" sz="1400" dirty="0"/>
           </a:p>
           <a:p>
             <a:pPr marL="571500"/>
@@ -3977,15 +3760,9 @@
               <a:rPr lang="en-US" sz="1400" dirty="0">
                 <a:hlinkClick r:id="rId7"/>
               </a:rPr>
-              <a:t>http://docs.mongodb.org/manual/tutorial/remove-indexes</a:t>
-            </a:r>
-            <a:r>
-              <a:rPr lang="en-US" sz="1400" dirty="0" smtClean="0">
-                <a:hlinkClick r:id="rId7"/>
-              </a:rPr>
-              <a:t>/</a:t>
-            </a:r>
-            <a:endParaRPr lang="en-US" sz="1400" dirty="0" smtClean="0"/>
+              <a:t>http://docs.mongodb.org/manual/tutorial/remove-indexes/</a:t>
+            </a:r>
+            <a:endParaRPr lang="en-US" sz="1400" dirty="0"/>
           </a:p>
           <a:p>
             <a:pPr marL="571500"/>
@@ -3993,22 +3770,15 @@
               <a:rPr lang="en-US" sz="1400" dirty="0">
                 <a:hlinkClick r:id="rId8"/>
               </a:rPr>
-              <a:t>http://docs.mongodb.org/manual/reference/method/cursor.explain</a:t>
-            </a:r>
-            <a:r>
-              <a:rPr lang="en-US" sz="1400" smtClean="0">
-                <a:hlinkClick r:id="rId8"/>
-              </a:rPr>
-              <a:t>/</a:t>
-            </a:r>
-            <a:r>
-              <a:rPr lang="en-US" sz="1400" smtClean="0"/>
+              <a:t>http://docs.mongodb.org/manual/reference/method/cursor.explain/</a:t>
+            </a:r>
+            <a:r>
+              <a:rPr lang="en-US" sz="1400" dirty="0"/>
               <a:t> </a:t>
             </a:r>
-            <a:endParaRPr lang="en-US" sz="1400" dirty="0" smtClean="0"/>
-          </a:p>
-          <a:p>
-            <a:endParaRPr lang="en-US" dirty="0" smtClean="0"/>
+          </a:p>
+          <a:p>
+            <a:endParaRPr lang="en-US" dirty="0"/>
           </a:p>
           <a:p>
             <a:endParaRPr lang="en-US" dirty="0"/>
@@ -4049,13 +3819,6 @@
   <p:clrMapOvr>
     <a:masterClrMapping/>
   </p:clrMapOvr>
-  <p:timing>
-    <p:tnLst>
-      <p:par>
-        <p:cTn id="1" dur="indefinite" restart="never" nodeType="tmRoot"/>
-      </p:par>
-    </p:tnLst>
-  </p:timing>
 </p:sld>
 </file>
 
@@ -4092,10 +3855,9 @@
           <a:lstStyle/>
           <a:p>
             <a:r>
-              <a:rPr lang="en-US" dirty="0" smtClean="0"/>
+              <a:rPr lang="en-US" dirty="0"/>
               <a:t>Geospatial Indexes and Queries</a:t>
             </a:r>
-            <a:endParaRPr lang="en-US" dirty="0"/>
           </a:p>
         </p:txBody>
       </p:sp>
@@ -4115,54 +3877,54 @@
           <a:lstStyle/>
           <a:p>
             <a:r>
-              <a:rPr lang="en-US" dirty="0" smtClean="0"/>
+              <a:rPr lang="en-US" dirty="0"/>
               <a:t>Supports both spherical and planar geometries</a:t>
             </a:r>
           </a:p>
           <a:p>
             <a:pPr lvl="1"/>
             <a:r>
-              <a:rPr lang="en-US" dirty="0" smtClean="0"/>
+              <a:rPr lang="en-US" dirty="0"/>
               <a:t>2d: geometries on a plane</a:t>
             </a:r>
           </a:p>
           <a:p>
             <a:pPr lvl="1"/>
             <a:r>
-              <a:rPr lang="en-US" dirty="0" smtClean="0"/>
+              <a:rPr lang="en-US" dirty="0"/>
               <a:t>2dsphere: geometries of an earth-like sphere</a:t>
             </a:r>
           </a:p>
           <a:p>
             <a:r>
-              <a:rPr lang="en-US" dirty="0" smtClean="0"/>
+              <a:rPr lang="en-US" dirty="0"/>
               <a:t>Query operations</a:t>
             </a:r>
           </a:p>
           <a:p>
             <a:pPr lvl="1"/>
             <a:r>
-              <a:rPr lang="en-US" dirty="0" smtClean="0"/>
+              <a:rPr lang="en-US" dirty="0"/>
               <a:t>Within a bounding geometry</a:t>
             </a:r>
           </a:p>
           <a:p>
             <a:pPr lvl="1"/>
             <a:r>
-              <a:rPr lang="en-US" dirty="0" smtClean="0"/>
+              <a:rPr lang="en-US" dirty="0"/>
               <a:t>Intersecting geometry</a:t>
             </a:r>
           </a:p>
           <a:p>
             <a:pPr lvl="1"/>
             <a:r>
-              <a:rPr lang="en-US" dirty="0" smtClean="0"/>
+              <a:rPr lang="en-US" dirty="0"/>
               <a:t>Near a point</a:t>
             </a:r>
           </a:p>
           <a:p>
             <a:r>
-              <a:rPr lang="en-US" dirty="0" smtClean="0"/>
+              <a:rPr lang="en-US" dirty="0"/>
               <a:t>More information</a:t>
             </a:r>
           </a:p>
@@ -4178,27 +3940,15 @@
           <a:p>
             <a:pPr lvl="1"/>
             <a:r>
-              <a:rPr lang="en-US" dirty="0" smtClean="0">
-                <a:hlinkClick r:id="rId3"/>
-              </a:rPr>
-              <a:t>http</a:t>
-            </a:r>
-            <a:r>
               <a:rPr lang="en-US" dirty="0">
                 <a:hlinkClick r:id="rId3"/>
               </a:rPr>
-              <a:t>://docs.mongodb.org/manual/reference/operator/query-geospatial</a:t>
-            </a:r>
-            <a:r>
-              <a:rPr lang="en-US" dirty="0" smtClean="0">
-                <a:hlinkClick r:id="rId3"/>
-              </a:rPr>
-              <a:t>/</a:t>
-            </a:r>
-            <a:endParaRPr lang="en-US" dirty="0" smtClean="0"/>
-          </a:p>
-          <a:p>
-            <a:endParaRPr lang="en-US" dirty="0" smtClean="0"/>
+              <a:t>http://docs.mongodb.org/manual/reference/operator/query-geospatial/</a:t>
+            </a:r>
+            <a:endParaRPr lang="en-US" dirty="0"/>
+          </a:p>
+          <a:p>
+            <a:endParaRPr lang="en-US" dirty="0"/>
           </a:p>
           <a:p>
             <a:pPr lvl="1"/>
@@ -4240,13 +3990,6 @@
   <p:clrMapOvr>
     <a:masterClrMapping/>
   </p:clrMapOvr>
-  <p:timing>
-    <p:tnLst>
-      <p:par>
-        <p:cTn id="1" dur="indefinite" restart="never" nodeType="tmRoot"/>
-      </p:par>
-    </p:tnLst>
-  </p:timing>
 </p:sld>
 </file>
 
@@ -4283,10 +4026,9 @@
           <a:lstStyle/>
           <a:p>
             <a:r>
-              <a:rPr lang="en-US" dirty="0" smtClean="0"/>
+              <a:rPr lang="en-US" dirty="0"/>
               <a:t>Aggregation Pipeline</a:t>
             </a:r>
-            <a:endParaRPr lang="en-US" dirty="0"/>
           </a:p>
         </p:txBody>
       </p:sp>
@@ -4306,76 +4048,64 @@
           <a:lstStyle/>
           <a:p>
             <a:r>
-              <a:rPr lang="en-US" dirty="0" smtClean="0"/>
+              <a:rPr lang="en-US" dirty="0"/>
               <a:t>Operations that process data along a series of steps</a:t>
             </a:r>
           </a:p>
           <a:p>
             <a:r>
-              <a:rPr lang="en-US" dirty="0" smtClean="0"/>
+              <a:rPr lang="en-US" dirty="0"/>
               <a:t>Change the format of or further process documents resulting from a query</a:t>
             </a:r>
           </a:p>
           <a:p>
             <a:r>
-              <a:rPr lang="en-US" dirty="0" smtClean="0"/>
+              <a:rPr lang="en-US" dirty="0"/>
               <a:t>Documents enter the pipeline and are transformed into an aggregated result</a:t>
             </a:r>
           </a:p>
           <a:p>
             <a:r>
-              <a:rPr lang="en-US" dirty="0" smtClean="0"/>
+              <a:rPr lang="en-US" dirty="0"/>
               <a:t>A less complex alternative to map-reduce (also supported)</a:t>
             </a:r>
           </a:p>
           <a:p>
             <a:r>
-              <a:rPr lang="en-US" dirty="0" err="1" smtClean="0"/>
+              <a:rPr lang="en-US" dirty="0" err="1"/>
               <a:t>FireDAC</a:t>
             </a:r>
             <a:r>
-              <a:rPr lang="en-US" dirty="0" smtClean="0"/>
+              <a:rPr lang="en-US" dirty="0"/>
               <a:t> supports through the </a:t>
             </a:r>
             <a:r>
-              <a:rPr lang="en-US" dirty="0" err="1" smtClean="0"/>
+              <a:rPr lang="en-US" dirty="0" err="1"/>
               <a:t>TFDMongoPipeline</a:t>
             </a:r>
             <a:r>
-              <a:rPr lang="en-US" dirty="0" smtClean="0"/>
+              <a:rPr lang="en-US" dirty="0"/>
               <a:t> and Aggregate methods</a:t>
             </a:r>
           </a:p>
           <a:p>
             <a:r>
-              <a:rPr lang="en-US" dirty="0" smtClean="0"/>
+              <a:rPr lang="en-US" dirty="0"/>
               <a:t>References </a:t>
             </a:r>
-            <a:endParaRPr lang="en-US" dirty="0" smtClean="0">
+            <a:endParaRPr lang="en-US" dirty="0">
               <a:hlinkClick r:id="rId3"/>
             </a:endParaRPr>
           </a:p>
           <a:p>
             <a:pPr lvl="1"/>
-            <a:r>
-              <a:rPr lang="en-US" dirty="0" smtClean="0">
-                <a:hlinkClick r:id="rId3"/>
-              </a:rPr>
-              <a:t>http</a:t>
-            </a:r>
             <a:r>
               <a:rPr lang="en-US" dirty="0">
                 <a:hlinkClick r:id="rId3"/>
               </a:rPr>
-              <a:t>://docs.mongodb.org/manual/aggregation</a:t>
-            </a:r>
-            <a:r>
-              <a:rPr lang="en-US" dirty="0" smtClean="0">
-                <a:hlinkClick r:id="rId3"/>
-              </a:rPr>
-              <a:t>/</a:t>
-            </a:r>
-            <a:endParaRPr lang="en-US" dirty="0" smtClean="0"/>
+              <a:t>http://docs.mongodb.org/manual/aggregation/</a:t>
+            </a:r>
+            <a:endParaRPr lang="en-US" dirty="0"/>
           </a:p>
           <a:p>
             <a:pPr lvl="1"/>
@@ -4383,22 +4113,16 @@
               <a:rPr lang="en-US" dirty="0">
                 <a:hlinkClick r:id="rId4"/>
               </a:rPr>
-              <a:t>http://docs.mongodb.org/manual/reference/operator/aggregation</a:t>
-            </a:r>
-            <a:r>
-              <a:rPr lang="en-US" dirty="0" smtClean="0">
-                <a:hlinkClick r:id="rId4"/>
-              </a:rPr>
-              <a:t>/</a:t>
-            </a:r>
-            <a:r>
-              <a:rPr lang="en-US" dirty="0" smtClean="0"/>
+              <a:t>http://docs.mongodb.org/manual/reference/operator/aggregation/</a:t>
+            </a:r>
+            <a:r>
+              <a:rPr lang="en-US" dirty="0"/>
               <a:t> </a:t>
             </a:r>
           </a:p>
           <a:p>
             <a:pPr lvl="1"/>
-            <a:endParaRPr lang="en-US" dirty="0" smtClean="0"/>
+            <a:endParaRPr lang="en-US" dirty="0"/>
           </a:p>
           <a:p>
             <a:endParaRPr lang="en-US" dirty="0"/>
@@ -4439,13 +4163,6 @@
   <p:clrMapOvr>
     <a:masterClrMapping/>
   </p:clrMapOvr>
-  <p:timing>
-    <p:tnLst>
-      <p:par>
-        <p:cTn id="1" dur="indefinite" restart="never" nodeType="tmRoot"/>
-      </p:par>
-    </p:tnLst>
-  </p:timing>
 </p:sld>
 </file>
 
@@ -4532,10 +4249,9 @@
           <a:lstStyle/>
           <a:p>
             <a:r>
-              <a:rPr lang="en-US" dirty="0" smtClean="0"/>
+              <a:rPr lang="en-US" dirty="0"/>
               <a:t>Aggregation Example</a:t>
             </a:r>
-            <a:endParaRPr lang="en-US" dirty="0"/>
           </a:p>
         </p:txBody>
       </p:sp>
@@ -4560,37 +4276,37 @@
           <a:lstStyle/>
           <a:p>
             <a:r>
-              <a:rPr lang="en-US" dirty="0" smtClean="0"/>
+              <a:rPr lang="en-US" dirty="0"/>
               <a:t>Runs through stages</a:t>
             </a:r>
           </a:p>
           <a:p>
             <a:r>
-              <a:rPr lang="en-US" dirty="0" smtClean="0"/>
+              <a:rPr lang="en-US" dirty="0"/>
               <a:t>Typically starts with a match</a:t>
             </a:r>
           </a:p>
           <a:p>
             <a:r>
-              <a:rPr lang="en-US" dirty="0" smtClean="0"/>
+              <a:rPr lang="en-US" dirty="0"/>
               <a:t>Example shows grouping</a:t>
             </a:r>
           </a:p>
           <a:p>
             <a:r>
-              <a:rPr lang="en-US" dirty="0" smtClean="0"/>
+              <a:rPr lang="en-US" dirty="0"/>
               <a:t>Resulting collection contains modified documents</a:t>
             </a:r>
           </a:p>
           <a:p>
             <a:r>
-              <a:rPr lang="en-US" dirty="0" smtClean="0"/>
+              <a:rPr lang="en-US" dirty="0"/>
               <a:t>Makes documents easier to work with in program logic</a:t>
             </a:r>
           </a:p>
           <a:p>
             <a:r>
-              <a:rPr lang="en-US" dirty="0" smtClean="0"/>
+              <a:rPr lang="en-US" dirty="0"/>
               <a:t>Underlying collection is unmodified</a:t>
             </a:r>
           </a:p>
@@ -4609,13 +4325,6 @@
   <p:clrMapOvr>
     <a:masterClrMapping/>
   </p:clrMapOvr>
-  <p:timing>
-    <p:tnLst>
-      <p:par>
-        <p:cTn id="1" dur="indefinite" restart="never" nodeType="tmRoot"/>
-      </p:par>
-    </p:tnLst>
-  </p:timing>
 </p:sld>
 </file>
 
@@ -4652,10 +4361,9 @@
           <a:lstStyle/>
           <a:p>
             <a:r>
-              <a:rPr lang="en-US" dirty="0" smtClean="0"/>
+              <a:rPr lang="en-US" dirty="0"/>
               <a:t>Update Operations</a:t>
             </a:r>
-            <a:endParaRPr lang="en-US" dirty="0"/>
           </a:p>
         </p:txBody>
       </p:sp>
@@ -4675,51 +4383,31 @@
           <a:lstStyle/>
           <a:p>
             <a:r>
-              <a:rPr lang="en-US" dirty="0" smtClean="0"/>
-              <a:t>Modifies </a:t>
-            </a:r>
-            <a:r>
-              <a:rPr lang="en-US" dirty="0"/>
-              <a:t>an existing document or documents in a </a:t>
-            </a:r>
-            <a:r>
-              <a:rPr lang="en-US" dirty="0" smtClean="0"/>
-              <a:t>collection.</a:t>
-            </a:r>
-          </a:p>
-          <a:p>
-            <a:r>
-              <a:rPr lang="en-US" dirty="0"/>
-              <a:t>C</a:t>
-            </a:r>
-            <a:r>
-              <a:rPr lang="en-US" dirty="0" smtClean="0"/>
-              <a:t>an </a:t>
-            </a:r>
-            <a:r>
-              <a:rPr lang="en-US" dirty="0"/>
-              <a:t>modify specific fields of an existing document or documents or replace an existing document </a:t>
-            </a:r>
-            <a:r>
-              <a:rPr lang="en-US" dirty="0" smtClean="0"/>
-              <a:t>entirely.</a:t>
-            </a:r>
-          </a:p>
-          <a:p>
-            <a:r>
-              <a:rPr lang="en-US" dirty="0" smtClean="0"/>
+              <a:rPr lang="en-US" dirty="0"/>
+              <a:t>Modifies an existing document or documents in a collection.</a:t>
+            </a:r>
+          </a:p>
+          <a:p>
+            <a:r>
+              <a:rPr lang="en-US" dirty="0"/>
+              <a:t>Can modify specific fields of an existing document or documents or replace an existing document entirely.</a:t>
+            </a:r>
+          </a:p>
+          <a:p>
+            <a:r>
+              <a:rPr lang="en-US" dirty="0"/>
               <a:t>Can replace with static or dynamic operator generated values.</a:t>
             </a:r>
           </a:p>
           <a:p>
             <a:r>
-              <a:rPr lang="en-US" dirty="0" smtClean="0"/>
+              <a:rPr lang="en-US" dirty="0"/>
               <a:t>Updates are atomic within a single document.</a:t>
             </a:r>
           </a:p>
           <a:p>
             <a:r>
-              <a:rPr lang="en-US" dirty="0" smtClean="0"/>
+              <a:rPr lang="en-US" dirty="0"/>
               <a:t>More information</a:t>
             </a:r>
           </a:p>
@@ -4729,16 +4417,10 @@
               <a:rPr lang="en-US" dirty="0">
                 <a:hlinkClick r:id="rId3"/>
               </a:rPr>
-              <a:t>http://docs.mongodb.org/manual/tutorial/modify-documents</a:t>
-            </a:r>
-            <a:r>
-              <a:rPr lang="en-US" dirty="0" smtClean="0">
-                <a:hlinkClick r:id="rId3"/>
-              </a:rPr>
-              <a:t>/</a:t>
-            </a:r>
-            <a:r>
-              <a:rPr lang="en-US" dirty="0" smtClean="0"/>
+              <a:t>http://docs.mongodb.org/manual/tutorial/modify-documents/</a:t>
+            </a:r>
+            <a:r>
+              <a:rPr lang="en-US" dirty="0"/>
               <a:t> </a:t>
             </a:r>
           </a:p>
@@ -4748,15 +4430,9 @@
               <a:rPr lang="en-US" dirty="0">
                 <a:hlinkClick r:id="rId4"/>
               </a:rPr>
-              <a:t>http://docs.mongodb.org/manual/reference/method/db.collection.update</a:t>
-            </a:r>
-            <a:r>
-              <a:rPr lang="en-US" dirty="0" smtClean="0">
-                <a:hlinkClick r:id="rId4"/>
-              </a:rPr>
-              <a:t>/</a:t>
-            </a:r>
-            <a:endParaRPr lang="en-US" dirty="0" smtClean="0"/>
+              <a:t>http://docs.mongodb.org/manual/reference/method/db.collection.update/</a:t>
+            </a:r>
+            <a:endParaRPr lang="en-US" dirty="0"/>
           </a:p>
           <a:p>
             <a:pPr lvl="1"/>
@@ -4764,15 +4440,9 @@
               <a:rPr lang="en-US" dirty="0">
                 <a:hlinkClick r:id="rId5"/>
               </a:rPr>
-              <a:t>http://docs.mongodb.org/manual/reference/operator/update/inc</a:t>
-            </a:r>
-            <a:r>
-              <a:rPr lang="en-US" dirty="0" smtClean="0">
-                <a:hlinkClick r:id="rId5"/>
-              </a:rPr>
-              <a:t>/</a:t>
-            </a:r>
-            <a:endParaRPr lang="en-US" dirty="0" smtClean="0"/>
+              <a:t>http://docs.mongodb.org/manual/reference/operator/update/inc/</a:t>
+            </a:r>
+            <a:endParaRPr lang="en-US" dirty="0"/>
           </a:p>
           <a:p>
             <a:pPr lvl="1"/>
@@ -4780,19 +4450,12 @@
               <a:rPr lang="en-US" dirty="0">
                 <a:hlinkClick r:id="rId6"/>
               </a:rPr>
-              <a:t>http://docs.mongodb.org/manual/reference/operator/update/push</a:t>
-            </a:r>
-            <a:r>
-              <a:rPr lang="en-US" dirty="0" smtClean="0">
-                <a:hlinkClick r:id="rId6"/>
-              </a:rPr>
-              <a:t>/</a:t>
-            </a:r>
-            <a:r>
-              <a:rPr lang="en-US" dirty="0" smtClean="0"/>
+              <a:t>http://docs.mongodb.org/manual/reference/operator/update/push/</a:t>
+            </a:r>
+            <a:r>
+              <a:rPr lang="en-US" dirty="0"/>
               <a:t> </a:t>
             </a:r>
-            <a:endParaRPr lang="en-US" dirty="0"/>
           </a:p>
         </p:txBody>
       </p:sp>
@@ -4830,13 +4493,6 @@
   <p:clrMapOvr>
     <a:masterClrMapping/>
   </p:clrMapOvr>
-  <p:timing>
-    <p:tnLst>
-      <p:par>
-        <p:cTn id="1" dur="indefinite" restart="never" nodeType="tmRoot"/>
-      </p:par>
-    </p:tnLst>
-  </p:timing>
 </p:sld>
 </file>
 
@@ -4873,10 +4529,9 @@
           <a:lstStyle/>
           <a:p>
             <a:r>
-              <a:rPr lang="en-US" dirty="0" smtClean="0"/>
+              <a:rPr lang="en-US" dirty="0"/>
               <a:t>Learning Resources</a:t>
             </a:r>
-            <a:endParaRPr lang="en-US" dirty="0"/>
           </a:p>
         </p:txBody>
       </p:sp>
@@ -4898,120 +4553,168 @@
           <a:lstStyle/>
           <a:p>
             <a:r>
-              <a:rPr lang="en-US" dirty="0" err="1" smtClean="0"/>
+              <a:rPr lang="en-US" dirty="0" err="1"/>
               <a:t>MongoDB</a:t>
             </a:r>
             <a:r>
-              <a:rPr lang="en-US" dirty="0" smtClean="0"/>
+              <a:rPr lang="en-US" dirty="0"/>
               <a:t> Documentation</a:t>
             </a:r>
           </a:p>
           <a:p>
             <a:pPr lvl="1"/>
             <a:r>
-              <a:rPr lang="en-US" sz="1400" dirty="0" smtClean="0">
+              <a:rPr lang="en-US" sz="1400" dirty="0">
                 <a:hlinkClick r:id="rId3"/>
               </a:rPr>
               <a:t>docs.mongodb.org/manual/</a:t>
             </a:r>
-            <a:endParaRPr lang="en-US" sz="1400" dirty="0" smtClean="0"/>
-          </a:p>
-          <a:p>
-            <a:r>
-              <a:rPr lang="en-US" dirty="0" err="1" smtClean="0"/>
+            <a:endParaRPr lang="en-US" sz="1400" dirty="0"/>
+          </a:p>
+          <a:p>
+            <a:r>
+              <a:rPr lang="en-US" dirty="0" err="1"/>
               <a:t>MongoDB</a:t>
             </a:r>
             <a:r>
-              <a:rPr lang="en-US" dirty="0" smtClean="0"/>
+              <a:rPr lang="en-US" dirty="0"/>
               <a:t> Skill Sprint</a:t>
             </a:r>
           </a:p>
           <a:p>
             <a:pPr lvl="1"/>
             <a:r>
-              <a:rPr lang="en-US" sz="1400" dirty="0" smtClean="0">
+              <a:rPr lang="en-US" sz="1400" dirty="0">
                 <a:hlinkClick r:id="rId4"/>
               </a:rPr>
               <a:t>embt.co/sprint-nosql-mongodb</a:t>
             </a:r>
-            <a:endParaRPr lang="en-US" sz="1400" dirty="0" smtClean="0"/>
-          </a:p>
-          <a:p>
-            <a:r>
-              <a:rPr lang="en-US" dirty="0" smtClean="0"/>
+            <a:endParaRPr lang="en-US" sz="1400" dirty="0"/>
+          </a:p>
+          <a:p>
+            <a:r>
+              <a:rPr lang="en-US" dirty="0"/>
               <a:t>Part 1 from </a:t>
             </a:r>
             <a:r>
-              <a:rPr lang="en-US" dirty="0" err="1" smtClean="0"/>
+              <a:rPr lang="en-US" dirty="0" err="1"/>
               <a:t>CodeRage</a:t>
             </a:r>
             <a:r>
-              <a:rPr lang="en-US" dirty="0" smtClean="0"/>
+              <a:rPr lang="en-US" dirty="0"/>
               <a:t> X</a:t>
             </a:r>
           </a:p>
           <a:p>
             <a:r>
-              <a:rPr lang="en-US" dirty="0" err="1" smtClean="0"/>
+              <a:rPr lang="en-US" dirty="0" err="1"/>
               <a:t>DocWiki</a:t>
             </a:r>
-            <a:endParaRPr lang="en-US" dirty="0" smtClean="0"/>
+            <a:endParaRPr lang="en-US" dirty="0"/>
           </a:p>
           <a:p>
             <a:pPr lvl="1"/>
             <a:r>
-              <a:rPr lang="en-US" sz="1100" dirty="0" smtClean="0">
+              <a:rPr lang="en-US" sz="1100" dirty="0">
                 <a:hlinkClick r:id="rId5"/>
               </a:rPr>
-              <a:t>docwiki.embarcadero.com/RADStudio/Seattle/en/What%27s_New#Support_for_the_NoSQL_MongoDB_Database</a:t>
-            </a:r>
-            <a:endParaRPr lang="en-US" sz="1100" dirty="0" smtClean="0"/>
+              <a:t>docwiki.embarcadero.com/</a:t>
+            </a:r>
+            <a:r>
+              <a:rPr lang="en-US" sz="1100" dirty="0" err="1">
+                <a:hlinkClick r:id="rId5"/>
+              </a:rPr>
+              <a:t>RADStudio</a:t>
+            </a:r>
+            <a:r>
+              <a:rPr lang="en-US" sz="1100" dirty="0">
+                <a:hlinkClick r:id="rId5"/>
+              </a:rPr>
+              <a:t>/en/What%27s_New#Support_for_the_NoSQL_MongoDB_Database</a:t>
+            </a:r>
+            <a:endParaRPr lang="en-US" sz="1100" dirty="0"/>
           </a:p>
           <a:p>
             <a:pPr lvl="1"/>
-            <a:r>
-              <a:rPr lang="en-US" sz="1400" dirty="0" smtClean="0">
-                <a:hlinkClick r:id="rId6"/>
-              </a:rPr>
-              <a:t>docwiki.embarcadero.com/RADStudio/Seattle/en/Connect_to_MongoDB_Database</a:t>
-            </a:r>
             <a:r>
               <a:rPr lang="en-US" sz="1400" dirty="0">
                 <a:hlinkClick r:id="rId6"/>
               </a:rPr>
-              <a:t>_(FireDAC</a:t>
-            </a:r>
-            <a:r>
-              <a:rPr lang="en-US" sz="1400" dirty="0" smtClean="0">
+              <a:t>docwiki.embarcadero.com/</a:t>
+            </a:r>
+            <a:r>
+              <a:rPr lang="en-US" sz="1400" dirty="0" err="1">
                 <a:hlinkClick r:id="rId6"/>
               </a:rPr>
-              <a:t>)</a:t>
-            </a:r>
-            <a:endParaRPr lang="en-US" sz="1400" dirty="0" smtClean="0"/>
+              <a:t>RADStudio</a:t>
+            </a:r>
+            <a:r>
+              <a:rPr lang="en-US" sz="1400" dirty="0">
+                <a:hlinkClick r:id="rId6"/>
+              </a:rPr>
+              <a:t>/</a:t>
+            </a:r>
+            <a:r>
+              <a:rPr lang="en-US" sz="1400" dirty="0" err="1">
+                <a:hlinkClick r:id="rId6"/>
+              </a:rPr>
+              <a:t>en</a:t>
+            </a:r>
+            <a:r>
+              <a:rPr lang="en-US" sz="1400" dirty="0">
+                <a:hlinkClick r:id="rId6"/>
+              </a:rPr>
+              <a:t>/Connect_to_MongoDB_Database_(FireDAC)</a:t>
+            </a:r>
+            <a:endParaRPr lang="en-US" sz="1400" dirty="0"/>
           </a:p>
           <a:p>
             <a:pPr lvl="1"/>
             <a:r>
-              <a:rPr lang="en-US" sz="1400" dirty="0" smtClean="0">
+              <a:rPr lang="en-US" sz="1400" dirty="0">
                 <a:hlinkClick r:id="rId7"/>
               </a:rPr>
-              <a:t>docwiki.embarcadero.com/CodeExamples/Seattle/en/FireDAC.MongoDB_Explore_Sample</a:t>
-            </a:r>
-            <a:endParaRPr lang="en-US" sz="1400" dirty="0" smtClean="0"/>
+              <a:t>docwiki.embarcadero.com/</a:t>
+            </a:r>
+            <a:r>
+              <a:rPr lang="en-US" sz="1400" dirty="0" err="1">
+                <a:hlinkClick r:id="rId7"/>
+              </a:rPr>
+              <a:t>CodeExamples</a:t>
+            </a:r>
+            <a:r>
+              <a:rPr lang="en-US" sz="1400" dirty="0">
+                <a:hlinkClick r:id="rId7"/>
+              </a:rPr>
+              <a:t>/</a:t>
+            </a:r>
+            <a:r>
+              <a:rPr lang="en-US" sz="1400" dirty="0" err="1">
+                <a:hlinkClick r:id="rId7"/>
+              </a:rPr>
+              <a:t>en</a:t>
+            </a:r>
+            <a:r>
+              <a:rPr lang="en-US" sz="1400" dirty="0">
+                <a:hlinkClick r:id="rId7"/>
+              </a:rPr>
+              <a:t>/FireDAC.MongoDB_Explore_Sample</a:t>
+            </a:r>
+            <a:endParaRPr lang="en-US" sz="1400" dirty="0"/>
           </a:p>
           <a:p>
             <a:pPr lvl="1"/>
             <a:r>
-              <a:rPr lang="en-US" sz="1400" dirty="0" smtClean="0">
+              <a:rPr lang="en-US" sz="1400" dirty="0">
                 <a:hlinkClick r:id="rId8"/>
               </a:rPr>
-              <a:t>docwiki.embarcadero.com/Libraries/Seattle/en/FireDAC.Phys.MongoDBWrapper</a:t>
-            </a:r>
-            <a:endParaRPr lang="en-US" sz="1400" dirty="0" smtClean="0"/>
-          </a:p>
-          <a:p>
-            <a:r>
-              <a:rPr lang="en-US" dirty="0" smtClean="0"/>
+              <a:t>docwiki.embarcadero.com/Libraries/en/FireDAC.Phys.MongoDBWrapper</a:t>
+            </a:r>
+            <a:endParaRPr lang="en-US" sz="1400" dirty="0"/>
+          </a:p>
+          <a:p>
+            <a:r>
+              <a:rPr lang="en-US" dirty="0"/>
               <a:t>Samples</a:t>
             </a:r>
           </a:p>
@@ -5027,21 +4730,16 @@
             </a:r>
             <a:r>
               <a:rPr lang="en-US" sz="1200" dirty="0"/>
-              <a:t>\Samples\DBMS </a:t>
-            </a:r>
-            <a:r>
-              <a:rPr lang="en-US" sz="1200" dirty="0" smtClean="0"/>
-              <a:t>Specific\</a:t>
-            </a:r>
-            <a:r>
-              <a:rPr lang="en-US" sz="1200" dirty="0" err="1" smtClean="0"/>
+              <a:t>\Samples\DBMS Specific\</a:t>
+            </a:r>
+            <a:r>
+              <a:rPr lang="en-US" sz="1200" dirty="0" err="1"/>
               <a:t>MongoDB</a:t>
             </a:r>
             <a:r>
-              <a:rPr lang="en-US" sz="1200" dirty="0" smtClean="0"/>
+              <a:rPr lang="en-US" sz="1200" dirty="0"/>
               <a:t> </a:t>
             </a:r>
-            <a:endParaRPr lang="en-US" sz="1200" dirty="0"/>
           </a:p>
         </p:txBody>
       </p:sp>
@@ -5077,8 +4775,8 @@
         </p:nvSpPr>
         <p:spPr>
           <a:xfrm>
-            <a:off x="6769469" y="1040130"/>
-            <a:ext cx="1881925" cy="1415772"/>
+            <a:off x="6663350" y="1040130"/>
+            <a:ext cx="2094164" cy="677108"/>
           </a:xfrm>
           <a:prstGeom prst="rect">
             <a:avLst/>
@@ -5093,69 +4791,26 @@
           <a:p>
             <a:pPr algn="ctr"/>
             <a:r>
-              <a:rPr lang="en-US" dirty="0" smtClean="0"/>
-              <a:t>Code Samples </a:t>
-            </a:r>
-            <a:endParaRPr lang="en-US" dirty="0" smtClean="0"/>
+              <a:rPr lang="en-US" sz="2000" dirty="0"/>
+              <a:t>Slides &amp; More</a:t>
+            </a:r>
+            <a:endParaRPr lang="en-US" dirty="0"/>
           </a:p>
           <a:p>
             <a:pPr algn="ctr"/>
             <a:r>
-              <a:rPr lang="en-US" sz="1600" dirty="0" smtClean="0">
+              <a:rPr lang="en-US" dirty="0">
                 <a:hlinkClick r:id="rId9"/>
               </a:rPr>
-              <a:t>delphi.org</a:t>
-            </a:r>
-            <a:r>
-              <a:rPr lang="en-US" sz="1600" dirty="0">
+              <a:t>delphi.org/</a:t>
+            </a:r>
+            <a:r>
+              <a:rPr lang="en-US" dirty="0" err="1">
                 <a:hlinkClick r:id="rId9"/>
               </a:rPr>
-              <a:t>/?</a:t>
-            </a:r>
-            <a:r>
-              <a:rPr lang="en-US" sz="1600" dirty="0" smtClean="0">
-                <a:hlinkClick r:id="rId9"/>
-              </a:rPr>
-              <a:t>p=2053</a:t>
-            </a:r>
-            <a:r>
-              <a:rPr lang="en-US" sz="1600" dirty="0" smtClean="0"/>
-              <a:t> </a:t>
-            </a:r>
-          </a:p>
-          <a:p>
-            <a:pPr algn="ctr"/>
-            <a:endParaRPr lang="en-US" dirty="0" smtClean="0"/>
-          </a:p>
-          <a:p>
-            <a:pPr algn="ctr"/>
-            <a:r>
-              <a:rPr lang="en-US" dirty="0" smtClean="0"/>
-              <a:t>Slides</a:t>
-            </a:r>
-            <a:endParaRPr lang="en-US" sz="1600" dirty="0" smtClean="0"/>
-          </a:p>
-          <a:p>
-            <a:pPr algn="ctr"/>
-            <a:r>
-              <a:rPr lang="en-US" sz="1600" dirty="0" err="1" smtClean="0">
-                <a:hlinkClick r:id="rId10"/>
-              </a:rPr>
-              <a:t>delphi.org</a:t>
-            </a:r>
-            <a:r>
-              <a:rPr lang="en-US" sz="1600" dirty="0" smtClean="0">
-                <a:hlinkClick r:id="rId10"/>
-              </a:rPr>
-              <a:t>/</a:t>
-            </a:r>
-            <a:r>
-              <a:rPr lang="en-US" sz="1600" dirty="0" err="1" smtClean="0">
-                <a:hlinkClick r:id="rId10"/>
-              </a:rPr>
               <a:t>coderage</a:t>
             </a:r>
-            <a:endParaRPr lang="en-US" sz="1600" dirty="0"/>
+            <a:endParaRPr lang="en-US" dirty="0"/>
           </a:p>
         </p:txBody>
       </p:sp>
@@ -5169,229 +4824,6 @@
   <p:clrMapOvr>
     <a:masterClrMapping/>
   </p:clrMapOvr>
-  <p:timing>
-    <p:tnLst>
-      <p:par>
-        <p:cTn id="1" dur="indefinite" restart="never" nodeType="tmRoot"/>
-      </p:par>
-    </p:tnLst>
-  </p:timing>
-</p:sld>
-</file>
-
-<file path=ppt/slides/slide9.xml><?xml version="1.0" encoding="utf-8"?>
-<p:sld xmlns:a="http://schemas.openxmlformats.org/drawingml/2006/main" xmlns:r="http://schemas.openxmlformats.org/officeDocument/2006/relationships" xmlns:p="http://schemas.openxmlformats.org/presentationml/2006/main">
-  <p:cSld>
-    <p:spTree>
-      <p:nvGrpSpPr>
-        <p:cNvPr id="1" name=""/>
-        <p:cNvGrpSpPr/>
-        <p:nvPr/>
-      </p:nvGrpSpPr>
-      <p:grpSpPr>
-        <a:xfrm>
-          <a:off x="0" y="0"/>
-          <a:ext cx="0" cy="0"/>
-          <a:chOff x="0" y="0"/>
-          <a:chExt cx="0" cy="0"/>
-        </a:xfrm>
-      </p:grpSpPr>
-      <p:sp>
-        <p:nvSpPr>
-          <p:cNvPr id="2" name="Title 1"/>
-          <p:cNvSpPr>
-            <a:spLocks noGrp="1"/>
-          </p:cNvSpPr>
-          <p:nvPr>
-            <p:ph type="title"/>
-          </p:nvPr>
-        </p:nvSpPr>
-        <p:spPr/>
-        <p:txBody>
-          <a:bodyPr/>
-          <a:lstStyle/>
-          <a:p>
-            <a:r>
-              <a:rPr lang="en-US" dirty="0" smtClean="0"/>
-              <a:t>Q&amp;A – Thanks for Joining Us!</a:t>
-            </a:r>
-            <a:endParaRPr lang="en-US" dirty="0"/>
-          </a:p>
-        </p:txBody>
-      </p:sp>
-      <p:sp>
-        <p:nvSpPr>
-          <p:cNvPr id="3" name="Content Placeholder 2"/>
-          <p:cNvSpPr>
-            <a:spLocks noGrp="1"/>
-          </p:cNvSpPr>
-          <p:nvPr>
-            <p:ph idx="1"/>
-          </p:nvPr>
-        </p:nvSpPr>
-        <p:spPr/>
-        <p:txBody>
-          <a:bodyPr/>
-          <a:lstStyle/>
-          <a:p>
-            <a:pPr>
-              <a:buNone/>
-            </a:pPr>
-            <a:r>
-              <a:rPr lang="en-US" dirty="0" smtClean="0"/>
-              <a:t>The </a:t>
-            </a:r>
-            <a:r>
-              <a:rPr lang="en-US" dirty="0"/>
-              <a:t>places to communicate:</a:t>
-            </a:r>
-          </a:p>
-          <a:p>
-            <a:r>
-              <a:rPr lang="en-US" dirty="0" smtClean="0">
-                <a:hlinkClick r:id="rId3"/>
-              </a:rPr>
-              <a:t>Quality.Embarcadero.com</a:t>
-            </a:r>
-            <a:endParaRPr lang="en-US" dirty="0"/>
-          </a:p>
-          <a:p>
-            <a:r>
-              <a:rPr lang="en-US" dirty="0"/>
-              <a:t>Embarcadero </a:t>
-            </a:r>
-            <a:r>
-              <a:rPr lang="en-US" dirty="0" err="1"/>
-              <a:t>FireDAC</a:t>
-            </a:r>
-            <a:r>
-              <a:rPr lang="en-US" dirty="0"/>
-              <a:t> forum</a:t>
-            </a:r>
-          </a:p>
-          <a:p>
-            <a:pPr lvl="1"/>
-            <a:r>
-              <a:rPr lang="en-US" dirty="0">
-                <a:hlinkClick r:id="rId4"/>
-              </a:rPr>
-              <a:t>https://forums.embarcadero.com/forum.jspa?forumID=502</a:t>
-            </a:r>
-            <a:r>
-              <a:rPr lang="en-US" dirty="0"/>
-              <a:t> </a:t>
-            </a:r>
-          </a:p>
-          <a:p>
-            <a:r>
-              <a:rPr lang="en-US" dirty="0"/>
-              <a:t>Email</a:t>
-            </a:r>
-          </a:p>
-          <a:p>
-            <a:pPr lvl="1"/>
-            <a:r>
-              <a:rPr lang="en-US" dirty="0">
-                <a:hlinkClick r:id="rId5"/>
-              </a:rPr>
-              <a:t>dmitry.arefiev@embarcadero.com</a:t>
-            </a:r>
-            <a:r>
-              <a:rPr lang="en-US" dirty="0"/>
-              <a:t> &amp; </a:t>
-            </a:r>
-            <a:r>
-              <a:rPr lang="en-US" dirty="0">
-                <a:hlinkClick r:id="rId6"/>
-              </a:rPr>
-              <a:t>jim.mckeeth@embarcadero.com</a:t>
-            </a:r>
-            <a:r>
-              <a:rPr lang="en-US" dirty="0"/>
-              <a:t> </a:t>
-            </a:r>
-          </a:p>
-          <a:p>
-            <a:r>
-              <a:rPr lang="en-US" dirty="0"/>
-              <a:t>Code Samples </a:t>
-            </a:r>
-          </a:p>
-          <a:p>
-            <a:pPr lvl="1"/>
-            <a:r>
-              <a:rPr lang="en-US" dirty="0">
-                <a:hlinkClick r:id="rId7"/>
-              </a:rPr>
-              <a:t>delphi.org/?p=2053</a:t>
-            </a:r>
-            <a:r>
-              <a:rPr lang="en-US" dirty="0"/>
-              <a:t> </a:t>
-            </a:r>
-          </a:p>
-          <a:p>
-            <a:r>
-              <a:rPr lang="en-US" dirty="0"/>
-              <a:t>Slides</a:t>
-            </a:r>
-          </a:p>
-          <a:p>
-            <a:pPr lvl="1"/>
-            <a:r>
-              <a:rPr lang="en-US" dirty="0">
-                <a:hlinkClick r:id="rId8"/>
-              </a:rPr>
-              <a:t>delphi.org/coderage</a:t>
-            </a:r>
-            <a:endParaRPr lang="en-US" dirty="0"/>
-          </a:p>
-          <a:p>
-            <a:endParaRPr lang="en-US" dirty="0"/>
-          </a:p>
-        </p:txBody>
-      </p:sp>
-      <p:sp>
-        <p:nvSpPr>
-          <p:cNvPr id="4" name="Slide Number Placeholder 3"/>
-          <p:cNvSpPr>
-            <a:spLocks noGrp="1"/>
-          </p:cNvSpPr>
-          <p:nvPr>
-            <p:ph type="sldNum" sz="quarter" idx="12"/>
-          </p:nvPr>
-        </p:nvSpPr>
-        <p:spPr/>
-        <p:txBody>
-          <a:bodyPr/>
-          <a:lstStyle/>
-          <a:p>
-            <a:fld id="{A4B9D86F-0E15-46C6-88AE-086E78885E3D}" type="slidenum">
-              <a:rPr lang="en-US" smtClean="0"/>
-              <a:pPr/>
-              <a:t>9</a:t>
-            </a:fld>
-            <a:endParaRPr lang="en-US"/>
-          </a:p>
-        </p:txBody>
-      </p:sp>
-    </p:spTree>
-    <p:extLst>
-      <p:ext uri="{BB962C8B-B14F-4D97-AF65-F5344CB8AC3E}">
-        <p14:creationId xmlns:p14="http://schemas.microsoft.com/office/powerpoint/2010/main" val="524686314"/>
-      </p:ext>
-    </p:extLst>
-  </p:cSld>
-  <p:clrMapOvr>
-    <a:masterClrMapping/>
-  </p:clrMapOvr>
-  <p:timing>
-    <p:tnLst>
-      <p:par>
-        <p:cTn id="1" dur="indefinite" restart="never" nodeType="tmRoot"/>
-      </p:par>
-    </p:tnLst>
-  </p:timing>
 </p:sld>
 </file>
 
@@ -5962,6 +5394,27 @@
 </file>
 
 <file path=customXml/item1.xml><?xml version="1.0" encoding="utf-8"?>
+<?mso-contentType ?>
+<FormTemplates xmlns="http://schemas.microsoft.com/sharepoint/v3/contenttype/forms">
+  <Display>DocumentLibraryForm</Display>
+  <Edit>DocumentLibraryForm</Edit>
+  <New>DocumentLibraryForm</New>
+</FormTemplates>
+</file>
+
+<file path=customXml/item2.xml><?xml version="1.0" encoding="utf-8"?>
+<p:properties xmlns:p="http://schemas.microsoft.com/office/2006/metadata/properties" xmlns:xsi="http://www.w3.org/2001/XMLSchema-instance" xmlns:pc="http://schemas.microsoft.com/office/infopath/2007/PartnerControls">
+  <documentManagement>
+    <Year xmlns="f62b9ad8-a28f-4257-b39c-24ee014a67bd">2014</Year>
+    <Product xmlns="f62b9ad8-a28f-4257-b39c-24ee014a67bd" xsi:nil="true"/>
+    <Release xmlns="f62b9ad8-a28f-4257-b39c-24ee014a67bd" xsi:nil="true"/>
+    <Family xmlns="f62b9ad8-a28f-4257-b39c-24ee014a67bd" xsi:nil="true"/>
+    <Doc_x0020_Type xmlns="f62b9ad8-a28f-4257-b39c-24ee014a67bd" xsi:nil="true"/>
+  </documentManagement>
+</p:properties>
+</file>
+
+<file path=customXml/item3.xml><?xml version="1.0" encoding="utf-8"?>
 <ct:contentTypeSchema xmlns:ct="http://schemas.microsoft.com/office/2006/metadata/contentType" xmlns:ma="http://schemas.microsoft.com/office/2006/metadata/properties/metaAttributes" ct:_="" ma:_="" ma:contentTypeName="Document" ma:contentTypeID="0x0101007E0DEC3B9574B6409DD98AC7B6A94797" ma:contentTypeVersion="14" ma:contentTypeDescription="Create a new document." ma:contentTypeScope="" ma:versionID="d6544c7279bfc4708c848899dcaa8fdb">
   <xsd:schema xmlns:xsd="http://www.w3.org/2001/XMLSchema" xmlns:xs="http://www.w3.org/2001/XMLSchema" xmlns:p="http://schemas.microsoft.com/office/2006/metadata/properties" xmlns:ns2="f62b9ad8-a28f-4257-b39c-24ee014a67bd" targetNamespace="http://schemas.microsoft.com/office/2006/metadata/properties" ma:root="true" ma:fieldsID="c13e37bd38289dfcccadeff979405649" ns2:_="">
     <xsd:import namespace="f62b9ad8-a28f-4257-b39c-24ee014a67bd"/>
@@ -6242,28 +5695,31 @@
 </ct:contentTypeSchema>
 </file>
 
-<file path=customXml/item2.xml><?xml version="1.0" encoding="utf-8"?>
-<p:properties xmlns:p="http://schemas.microsoft.com/office/2006/metadata/properties" xmlns:xsi="http://www.w3.org/2001/XMLSchema-instance" xmlns:pc="http://schemas.microsoft.com/office/infopath/2007/PartnerControls">
-  <documentManagement>
-    <Year xmlns="f62b9ad8-a28f-4257-b39c-24ee014a67bd">2014</Year>
-    <Product xmlns="f62b9ad8-a28f-4257-b39c-24ee014a67bd" xsi:nil="true"/>
-    <Release xmlns="f62b9ad8-a28f-4257-b39c-24ee014a67bd" xsi:nil="true"/>
-    <Family xmlns="f62b9ad8-a28f-4257-b39c-24ee014a67bd" xsi:nil="true"/>
-    <Doc_x0020_Type xmlns="f62b9ad8-a28f-4257-b39c-24ee014a67bd" xsi:nil="true"/>
-  </documentManagement>
-</p:properties>
+<file path=customXml/itemProps1.xml><?xml version="1.0" encoding="utf-8"?>
+<ds:datastoreItem xmlns:ds="http://schemas.openxmlformats.org/officeDocument/2006/customXml" ds:itemID="{DF969D3E-2A43-4875-BB4D-F53FBF857244}">
+  <ds:schemaRefs>
+    <ds:schemaRef ds:uri="http://schemas.microsoft.com/sharepoint/v3/contenttype/forms"/>
+  </ds:schemaRefs>
+</ds:datastoreItem>
 </file>
 
-<file path=customXml/item3.xml><?xml version="1.0" encoding="utf-8"?>
-<?mso-contentType ?>
-<FormTemplates xmlns="http://schemas.microsoft.com/sharepoint/v3/contenttype/forms">
-  <Display>DocumentLibraryForm</Display>
-  <Edit>DocumentLibraryForm</Edit>
-  <New>DocumentLibraryForm</New>
-</FormTemplates>
+<file path=customXml/itemProps2.xml><?xml version="1.0" encoding="utf-8"?>
+<ds:datastoreItem xmlns:ds="http://schemas.openxmlformats.org/officeDocument/2006/customXml" ds:itemID="{22FDF740-02CD-4136-B2DA-BE81CB99FB50}">
+  <ds:schemaRefs>
+    <ds:schemaRef ds:uri="http://www.w3.org/XML/1998/namespace"/>
+    <ds:schemaRef ds:uri="http://purl.org/dc/dcmitype/"/>
+    <ds:schemaRef ds:uri="http://schemas.microsoft.com/office/2006/documentManagement/types"/>
+    <ds:schemaRef ds:uri="http://purl.org/dc/elements/1.1/"/>
+    <ds:schemaRef ds:uri="http://schemas.openxmlformats.org/package/2006/metadata/core-properties"/>
+    <ds:schemaRef ds:uri="http://schemas.microsoft.com/office/infopath/2007/PartnerControls"/>
+    <ds:schemaRef ds:uri="http://purl.org/dc/terms/"/>
+    <ds:schemaRef ds:uri="f62b9ad8-a28f-4257-b39c-24ee014a67bd"/>
+    <ds:schemaRef ds:uri="http://schemas.microsoft.com/office/2006/metadata/properties"/>
+  </ds:schemaRefs>
+</ds:datastoreItem>
 </file>
 
-<file path=customXml/itemProps1.xml><?xml version="1.0" encoding="utf-8"?>
+<file path=customXml/itemProps3.xml><?xml version="1.0" encoding="utf-8"?>
 <ds:datastoreItem xmlns:ds="http://schemas.openxmlformats.org/officeDocument/2006/customXml" ds:itemID="{4B7D757E-6E9F-438F-91D0-6F9430C407B3}">
   <ds:schemaRefs>
     <ds:schemaRef ds:uri="http://schemas.microsoft.com/office/2006/metadata/contentType"/>
@@ -6279,22 +5735,4 @@
     <ds:schemaRef ds:uri="http://schemas.microsoft.com/internal/obd"/>
   </ds:schemaRefs>
 </ds:datastoreItem>
-</file>
-
-<file path=customXml/itemProps2.xml><?xml version="1.0" encoding="utf-8"?>
-<ds:datastoreItem xmlns:ds="http://schemas.openxmlformats.org/officeDocument/2006/customXml" ds:itemID="{22FDF740-02CD-4136-B2DA-BE81CB99FB50}">
-  <ds:schemaRefs>
-    <ds:schemaRef ds:uri="http://schemas.microsoft.com/office/2006/metadata/properties"/>
-    <ds:schemaRef ds:uri="http://schemas.microsoft.com/office/infopath/2007/PartnerControls"/>
-    <ds:schemaRef ds:uri="f62b9ad8-a28f-4257-b39c-24ee014a67bd"/>
-  </ds:schemaRefs>
-</ds:datastoreItem>
-</file>
-
-<file path=customXml/itemProps3.xml><?xml version="1.0" encoding="utf-8"?>
-<ds:datastoreItem xmlns:ds="http://schemas.openxmlformats.org/officeDocument/2006/customXml" ds:itemID="{DF969D3E-2A43-4875-BB4D-F53FBF857244}">
-  <ds:schemaRefs>
-    <ds:schemaRef ds:uri="http://schemas.microsoft.com/sharepoint/v3/contenttype/forms"/>
-  </ds:schemaRefs>
-</ds:datastoreItem>
 </file>